--- a/03_ProjectWildfire_Part1.pptx
+++ b/03_ProjectWildfire_Part1.pptx
@@ -1,14 +1,14 @@
 
 <file path=ppt/presentation.xml><?xml version="1.0" encoding="utf-8"?>
-<p:presentation xmlns:a="http://schemas.openxmlformats.org/drawingml/2006/main" xmlns:r="http://schemas.openxmlformats.org/officeDocument/2006/relationships" xmlns:p="http://schemas.openxmlformats.org/presentationml/2006/main" saveSubsetFonts="1" autoCompressPictures="0">
+<p:presentation xmlns:a="http://schemas.openxmlformats.org/drawingml/2006/main" xmlns:r="http://schemas.openxmlformats.org/officeDocument/2006/relationships" xmlns:p="http://schemas.openxmlformats.org/presentationml/2006/main" showSpecialPlsOnTitleSld="0" saveSubsetFonts="1" autoCompressPictures="0">
   <p:sldMasterIdLst>
     <p:sldMasterId id="2147483684" r:id="rId4"/>
   </p:sldMasterIdLst>
   <p:notesMasterIdLst>
-    <p:notesMasterId r:id="rId12"/>
+    <p:notesMasterId r:id="rId14"/>
   </p:notesMasterIdLst>
   <p:handoutMasterIdLst>
-    <p:handoutMasterId r:id="rId13"/>
+    <p:handoutMasterId r:id="rId15"/>
   </p:handoutMasterIdLst>
   <p:sldIdLst>
     <p:sldId id="257" r:id="rId5"/>
@@ -16,8 +16,10 @@
     <p:sldId id="270" r:id="rId7"/>
     <p:sldId id="392" r:id="rId8"/>
     <p:sldId id="393" r:id="rId9"/>
-    <p:sldId id="321" r:id="rId10"/>
-    <p:sldId id="391" r:id="rId11"/>
+    <p:sldId id="394" r:id="rId10"/>
+    <p:sldId id="395" r:id="rId11"/>
+    <p:sldId id="321" r:id="rId12"/>
+    <p:sldId id="391" r:id="rId13"/>
   </p:sldIdLst>
   <p:sldSz cx="12192000" cy="6858000"/>
   <p:notesSz cx="6858000" cy="9144000"/>
@@ -240,7 +242,7 @@
           <a:p>
             <a:fld id="{C17F2C1D-F243-42AB-ADF2-E7CB4E04900E}" type="datetimeFigureOut">
               <a:rPr lang="en-US" smtClean="0"/>
-              <a:t>10/9/2022</a:t>
+              <a:t>10/10/2022</a:t>
             </a:fld>
             <a:endParaRPr lang="en-US"/>
           </a:p>
@@ -417,7 +419,7 @@
           <a:p>
             <a:fld id="{020CE34E-5667-4A32-A6BA-10C7A552BC63}" type="datetimeFigureOut">
               <a:rPr lang="en-US" smtClean="0"/>
-              <a:t>10/9/2022</a:t>
+              <a:t>10/10/2022</a:t>
             </a:fld>
             <a:endParaRPr lang="en-US"/>
           </a:p>
@@ -1169,7 +1171,7 @@
           <a:p>
             <a:fld id="{1983A999-5E0E-42CA-8400-604AE921FF7C}" type="slidenum">
               <a:rPr lang="en-US" smtClean="0"/>
-              <a:t>6</a:t>
+              <a:t>8</a:t>
             </a:fld>
             <a:endParaRPr lang="en-US"/>
           </a:p>
@@ -13340,13 +13342,13 @@
   <p:clrMapOvr>
     <a:masterClrMapping/>
   </p:clrMapOvr>
-  <mc:AlternateContent xmlns:mc="http://schemas.openxmlformats.org/markup-compatibility/2006">
-    <mc:Choice xmlns:p14="http://schemas.microsoft.com/office/powerpoint/2010/main" Requires="p14">
+  <mc:AlternateContent xmlns:mc="http://schemas.openxmlformats.org/markup-compatibility/2006" xmlns:p14="http://schemas.microsoft.com/office/powerpoint/2010/main">
+    <mc:Choice Requires="p14">
       <p:transition spd="med" p14:dur="700">
         <p:fade/>
       </p:transition>
     </mc:Choice>
-    <mc:Fallback>
+    <mc:Fallback xmlns="">
       <p:transition spd="med">
         <p:fade/>
       </p:transition>
@@ -14613,13 +14615,13 @@
   <p:clrMapOvr>
     <a:masterClrMapping/>
   </p:clrMapOvr>
-  <mc:AlternateContent xmlns:mc="http://schemas.openxmlformats.org/markup-compatibility/2006">
-    <mc:Choice xmlns:p14="http://schemas.microsoft.com/office/powerpoint/2010/main" Requires="p14">
+  <mc:AlternateContent xmlns:mc="http://schemas.openxmlformats.org/markup-compatibility/2006" xmlns:p14="http://schemas.microsoft.com/office/powerpoint/2010/main">
+    <mc:Choice Requires="p14">
       <p:transition spd="med" p14:dur="700">
         <p:fade/>
       </p:transition>
     </mc:Choice>
-    <mc:Fallback>
+    <mc:Fallback xmlns="">
       <p:transition spd="med">
         <p:fade/>
       </p:transition>
@@ -15259,13 +15261,13 @@
   <p:clrMapOvr>
     <a:masterClrMapping/>
   </p:clrMapOvr>
-  <mc:AlternateContent xmlns:mc="http://schemas.openxmlformats.org/markup-compatibility/2006">
-    <mc:Choice xmlns:p14="http://schemas.microsoft.com/office/powerpoint/2010/main" Requires="p14">
+  <mc:AlternateContent xmlns:mc="http://schemas.openxmlformats.org/markup-compatibility/2006" xmlns:p14="http://schemas.microsoft.com/office/powerpoint/2010/main">
+    <mc:Choice Requires="p14">
       <p:transition spd="med" p14:dur="700">
         <p:fade/>
       </p:transition>
     </mc:Choice>
-    <mc:Fallback>
+    <mc:Fallback xmlns="">
       <p:transition spd="med">
         <p:fade/>
       </p:transition>
@@ -15926,13 +15928,13 @@
   <p:clrMapOvr>
     <a:masterClrMapping/>
   </p:clrMapOvr>
-  <mc:AlternateContent xmlns:mc="http://schemas.openxmlformats.org/markup-compatibility/2006">
-    <mc:Choice xmlns:p14="http://schemas.microsoft.com/office/powerpoint/2010/main" Requires="p14">
+  <mc:AlternateContent xmlns:mc="http://schemas.openxmlformats.org/markup-compatibility/2006" xmlns:p14="http://schemas.microsoft.com/office/powerpoint/2010/main">
+    <mc:Choice Requires="p14">
       <p:transition spd="med" p14:dur="700">
         <p:fade/>
       </p:transition>
     </mc:Choice>
-    <mc:Fallback>
+    <mc:Fallback xmlns="">
       <p:transition spd="med">
         <p:fade/>
       </p:transition>
@@ -16593,13 +16595,13 @@
   <p:clrMapOvr>
     <a:masterClrMapping/>
   </p:clrMapOvr>
-  <mc:AlternateContent xmlns:mc="http://schemas.openxmlformats.org/markup-compatibility/2006">
-    <mc:Choice xmlns:p14="http://schemas.microsoft.com/office/powerpoint/2010/main" Requires="p14">
+  <mc:AlternateContent xmlns:mc="http://schemas.openxmlformats.org/markup-compatibility/2006" xmlns:p14="http://schemas.microsoft.com/office/powerpoint/2010/main">
+    <mc:Choice Requires="p14">
       <p:transition spd="med" p14:dur="700">
         <p:fade/>
       </p:transition>
     </mc:Choice>
-    <mc:Fallback>
+    <mc:Fallback xmlns="">
       <p:transition spd="med">
         <p:fade/>
       </p:transition>
@@ -16627,10 +16629,10 @@
       </p:grpSpPr>
       <p:sp>
         <p:nvSpPr>
-          <p:cNvPr id="11" name="Title 10">
-            <a:extLst>
-              <a:ext uri="{FF2B5EF4-FFF2-40B4-BE49-F238E27FC236}">
-                <a16:creationId xmlns:a16="http://schemas.microsoft.com/office/drawing/2014/main" id="{581E8936-2270-47FE-94A4-398CB123EF90}"/>
+          <p:cNvPr id="2" name="Title 1">
+            <a:extLst>
+              <a:ext uri="{FF2B5EF4-FFF2-40B4-BE49-F238E27FC236}">
+                <a16:creationId xmlns:a16="http://schemas.microsoft.com/office/drawing/2014/main" id="{11D8A4F0-1BA0-FC10-146A-A2C044592BD1}"/>
               </a:ext>
             </a:extLst>
           </p:cNvPr>
@@ -16641,98 +16643,154 @@
             <p:ph type="title"/>
           </p:nvPr>
         </p:nvSpPr>
-        <p:spPr>
-          <a:xfrm>
-            <a:off x="550863" y="4508500"/>
-            <a:ext cx="4500562" cy="1562959"/>
-          </a:xfrm>
-        </p:spPr>
+        <p:spPr/>
         <p:txBody>
           <a:bodyPr/>
           <a:lstStyle/>
           <a:p>
             <a:r>
               <a:rPr lang="en-US" dirty="0"/>
-              <a:t>Summary</a:t>
+              <a:t>Tools to be used</a:t>
             </a:r>
           </a:p>
         </p:txBody>
       </p:sp>
-      <p:pic>
-        <p:nvPicPr>
-          <p:cNvPr id="16" name="Picture Placeholder 15" descr="Data Points Digital background">
-            <a:extLst>
-              <a:ext uri="{FF2B5EF4-FFF2-40B4-BE49-F238E27FC236}">
-                <a16:creationId xmlns:a16="http://schemas.microsoft.com/office/drawing/2014/main" id="{361E9ADB-7377-4CF1-9AE4-AEFBDEBEEEEC}"/>
-              </a:ext>
-            </a:extLst>
-          </p:cNvPr>
-          <p:cNvPicPr>
-            <a:picLocks noGrp="1" noChangeAspect="1"/>
-          </p:cNvPicPr>
+      <p:sp>
+        <p:nvSpPr>
+          <p:cNvPr id="3" name="Text Placeholder 2">
+            <a:extLst>
+              <a:ext uri="{FF2B5EF4-FFF2-40B4-BE49-F238E27FC236}">
+                <a16:creationId xmlns:a16="http://schemas.microsoft.com/office/drawing/2014/main" id="{7AAE985F-2807-A540-1E59-26077B10A56F}"/>
+              </a:ext>
+            </a:extLst>
+          </p:cNvPr>
+          <p:cNvSpPr>
+            <a:spLocks noGrp="1"/>
+          </p:cNvSpPr>
           <p:nvPr>
-            <p:ph type="pic" sz="quarter" idx="13"/>
+            <p:ph type="body" idx="1"/>
           </p:nvPr>
-        </p:nvPicPr>
-        <p:blipFill rotWithShape="1">
-          <a:blip r:embed="rId3" cstate="screen">
-            <a:extLst>
-              <a:ext uri="{28A0092B-C50C-407E-A947-70E740481C1C}">
-                <a14:useLocalDpi xmlns:a14="http://schemas.microsoft.com/office/drawing/2010/main" val="0"/>
-              </a:ext>
-            </a:extLst>
-          </a:blip>
-          <a:srcRect/>
-          <a:stretch/>
-        </p:blipFill>
-        <p:spPr>
-          <a:xfrm>
-            <a:off x="0" y="0"/>
-            <a:ext cx="12192000" cy="3776472"/>
-          </a:xfrm>
-        </p:spPr>
-      </p:pic>
-      <p:sp>
-        <p:nvSpPr>
-          <p:cNvPr id="13" name="Content Placeholder 12">
-            <a:extLst>
-              <a:ext uri="{FF2B5EF4-FFF2-40B4-BE49-F238E27FC236}">
-                <a16:creationId xmlns:a16="http://schemas.microsoft.com/office/drawing/2014/main" id="{C0287FEC-3826-4868-8D93-52429C6156F5}"/>
-              </a:ext>
-            </a:extLst>
-          </p:cNvPr>
-          <p:cNvSpPr>
-            <a:spLocks noGrp="1"/>
-          </p:cNvSpPr>
-          <p:nvPr>
-            <p:ph sz="quarter" idx="15"/>
-          </p:nvPr>
-        </p:nvSpPr>
-        <p:spPr>
-          <a:xfrm>
-            <a:off x="5262411" y="4508500"/>
-            <a:ext cx="6221412" cy="1563688"/>
-          </a:xfrm>
-        </p:spPr>
-        <p:txBody>
-          <a:bodyPr>
-            <a:normAutofit/>
-          </a:bodyPr>
+        </p:nvSpPr>
+        <p:spPr/>
+        <p:txBody>
+          <a:bodyPr/>
           <a:lstStyle/>
           <a:p>
             <a:r>
               <a:rPr lang="en-US" dirty="0"/>
-              <a:t>[insert text] </a:t>
+              <a:t>Python Libraries:</a:t>
             </a:r>
           </a:p>
         </p:txBody>
       </p:sp>
       <p:sp>
         <p:nvSpPr>
-          <p:cNvPr id="6" name="Slide Number Placeholder 5">
-            <a:extLst>
-              <a:ext uri="{FF2B5EF4-FFF2-40B4-BE49-F238E27FC236}">
-                <a16:creationId xmlns:a16="http://schemas.microsoft.com/office/drawing/2014/main" id="{9ED907F8-C614-4D59-A03F-BF9CD5E35703}"/>
+          <p:cNvPr id="4" name="Content Placeholder 3">
+            <a:extLst>
+              <a:ext uri="{FF2B5EF4-FFF2-40B4-BE49-F238E27FC236}">
+                <a16:creationId xmlns:a16="http://schemas.microsoft.com/office/drawing/2014/main" id="{CE3A2F91-C386-A128-ADF1-B6BD55EE0792}"/>
+              </a:ext>
+            </a:extLst>
+          </p:cNvPr>
+          <p:cNvSpPr>
+            <a:spLocks noGrp="1"/>
+          </p:cNvSpPr>
+          <p:nvPr>
+            <p:ph sz="half" idx="2"/>
+          </p:nvPr>
+        </p:nvSpPr>
+        <p:spPr/>
+        <p:txBody>
+          <a:bodyPr/>
+          <a:lstStyle/>
+          <a:p>
+            <a:r>
+              <a:rPr lang="en-US" dirty="0"/>
+              <a:t>NumPy</a:t>
+            </a:r>
+          </a:p>
+          <a:p>
+            <a:r>
+              <a:rPr lang="en-US" dirty="0"/>
+              <a:t>Pandas</a:t>
+            </a:r>
+          </a:p>
+          <a:p>
+            <a:r>
+              <a:rPr lang="en-US" dirty="0"/>
+              <a:t>Matplotlib</a:t>
+            </a:r>
+          </a:p>
+          <a:p>
+            <a:r>
+              <a:rPr lang="en-US" dirty="0"/>
+              <a:t>SQLite3</a:t>
+            </a:r>
+          </a:p>
+        </p:txBody>
+      </p:sp>
+      <p:sp>
+        <p:nvSpPr>
+          <p:cNvPr id="5" name="Text Placeholder 4">
+            <a:extLst>
+              <a:ext uri="{FF2B5EF4-FFF2-40B4-BE49-F238E27FC236}">
+                <a16:creationId xmlns:a16="http://schemas.microsoft.com/office/drawing/2014/main" id="{6AFC58F9-2A19-14CF-4C79-8982FBA8B764}"/>
+              </a:ext>
+            </a:extLst>
+          </p:cNvPr>
+          <p:cNvSpPr>
+            <a:spLocks noGrp="1"/>
+          </p:cNvSpPr>
+          <p:nvPr>
+            <p:ph type="body" sz="quarter" idx="3"/>
+          </p:nvPr>
+        </p:nvSpPr>
+        <p:spPr/>
+        <p:txBody>
+          <a:bodyPr/>
+          <a:lstStyle/>
+          <a:p>
+            <a:r>
+              <a:rPr lang="en-US" dirty="0"/>
+              <a:t>Other tools:</a:t>
+            </a:r>
+          </a:p>
+        </p:txBody>
+      </p:sp>
+      <p:sp>
+        <p:nvSpPr>
+          <p:cNvPr id="6" name="Content Placeholder 5">
+            <a:extLst>
+              <a:ext uri="{FF2B5EF4-FFF2-40B4-BE49-F238E27FC236}">
+                <a16:creationId xmlns:a16="http://schemas.microsoft.com/office/drawing/2014/main" id="{33896ABF-69C3-8482-89F6-D810AAE22B68}"/>
+              </a:ext>
+            </a:extLst>
+          </p:cNvPr>
+          <p:cNvSpPr>
+            <a:spLocks noGrp="1"/>
+          </p:cNvSpPr>
+          <p:nvPr>
+            <p:ph sz="quarter" idx="4"/>
+          </p:nvPr>
+        </p:nvSpPr>
+        <p:spPr/>
+        <p:txBody>
+          <a:bodyPr/>
+          <a:lstStyle/>
+          <a:p>
+            <a:r>
+              <a:rPr lang="en-US" dirty="0"/>
+              <a:t>SQLite</a:t>
+            </a:r>
+          </a:p>
+        </p:txBody>
+      </p:sp>
+      <p:sp>
+        <p:nvSpPr>
+          <p:cNvPr id="9" name="Slide Number Placeholder 8">
+            <a:extLst>
+              <a:ext uri="{FF2B5EF4-FFF2-40B4-BE49-F238E27FC236}">
+                <a16:creationId xmlns:a16="http://schemas.microsoft.com/office/drawing/2014/main" id="{09F135A9-50AA-E1F7-BC0F-ADA66D0276EC}"/>
               </a:ext>
             </a:extLst>
           </p:cNvPr>
@@ -16743,19 +16801,13 @@
             <p:ph type="sldNum" sz="quarter" idx="12"/>
           </p:nvPr>
         </p:nvSpPr>
-        <p:spPr>
-          <a:xfrm>
-            <a:off x="9948863" y="6507212"/>
-            <a:ext cx="1692274" cy="153888"/>
-          </a:xfrm>
-        </p:spPr>
+        <p:spPr/>
         <p:txBody>
           <a:bodyPr/>
           <a:lstStyle/>
           <a:p>
             <a:fld id="{DBA1B0FB-D917-4C8C-928F-313BD683BF39}" type="slidenum">
               <a:rPr lang="en-US" smtClean="0"/>
-              <a:pPr/>
               <a:t>6</a:t>
             </a:fld>
             <a:endParaRPr lang="en-US"/>
@@ -16765,25 +16817,13 @@
     </p:spTree>
     <p:extLst>
       <p:ext uri="{BB962C8B-B14F-4D97-AF65-F5344CB8AC3E}">
-        <p14:creationId xmlns:p14="http://schemas.microsoft.com/office/powerpoint/2010/main" val="3521561301"/>
+        <p14:creationId xmlns:p14="http://schemas.microsoft.com/office/powerpoint/2010/main" val="4172390518"/>
       </p:ext>
     </p:extLst>
   </p:cSld>
   <p:clrMapOvr>
     <a:masterClrMapping/>
   </p:clrMapOvr>
-  <mc:AlternateContent xmlns:mc="http://schemas.openxmlformats.org/markup-compatibility/2006">
-    <mc:Choice xmlns:p14="http://schemas.microsoft.com/office/powerpoint/2010/main" Requires="p14">
-      <p:transition spd="med" p14:dur="700">
-        <p:fade/>
-      </p:transition>
-    </mc:Choice>
-    <mc:Fallback>
-      <p:transition spd="med">
-        <p:fade/>
-      </p:transition>
-    </mc:Fallback>
-  </mc:AlternateContent>
 </p:sld>
 </file>
 
@@ -16806,6 +16846,515 @@
       </p:grpSpPr>
       <p:sp>
         <p:nvSpPr>
+          <p:cNvPr id="9" name="Slide Number Placeholder 8">
+            <a:extLst>
+              <a:ext uri="{FF2B5EF4-FFF2-40B4-BE49-F238E27FC236}">
+                <a16:creationId xmlns:a16="http://schemas.microsoft.com/office/drawing/2014/main" id="{38748C96-26B7-6E9D-A8AA-78D1E483F652}"/>
+              </a:ext>
+            </a:extLst>
+          </p:cNvPr>
+          <p:cNvSpPr>
+            <a:spLocks noGrp="1"/>
+          </p:cNvSpPr>
+          <p:nvPr>
+            <p:ph type="sldNum" sz="quarter" idx="12"/>
+          </p:nvPr>
+        </p:nvSpPr>
+        <p:spPr/>
+        <p:txBody>
+          <a:bodyPr/>
+          <a:lstStyle/>
+          <a:p>
+            <a:fld id="{DBA1B0FB-D917-4C8C-928F-313BD683BF39}" type="slidenum">
+              <a:rPr lang="en-US" smtClean="0"/>
+              <a:t>7</a:t>
+            </a:fld>
+            <a:endParaRPr lang="en-US"/>
+          </a:p>
+        </p:txBody>
+      </p:sp>
+      <p:sp>
+        <p:nvSpPr>
+          <p:cNvPr id="12" name="TextBox 11">
+            <a:extLst>
+              <a:ext uri="{FF2B5EF4-FFF2-40B4-BE49-F238E27FC236}">
+                <a16:creationId xmlns:a16="http://schemas.microsoft.com/office/drawing/2014/main" id="{6107DFC0-C333-3BED-48EE-E172759A70FA}"/>
+              </a:ext>
+            </a:extLst>
+          </p:cNvPr>
+          <p:cNvSpPr txBox="1"/>
+          <p:nvPr/>
+        </p:nvSpPr>
+        <p:spPr>
+          <a:xfrm>
+            <a:off x="499533" y="448733"/>
+            <a:ext cx="8737600" cy="830997"/>
+          </a:xfrm>
+          <a:prstGeom prst="rect">
+            <a:avLst/>
+          </a:prstGeom>
+          <a:noFill/>
+        </p:spPr>
+        <p:txBody>
+          <a:bodyPr wrap="square" rtlCol="0">
+            <a:spAutoFit/>
+          </a:bodyPr>
+          <a:lstStyle/>
+          <a:p>
+            <a:r>
+              <a:rPr lang="en-US" sz="4800" dirty="0">
+                <a:latin typeface="+mj-lt"/>
+              </a:rPr>
+              <a:t>Evaluation</a:t>
+            </a:r>
+          </a:p>
+        </p:txBody>
+      </p:sp>
+      <p:sp>
+        <p:nvSpPr>
+          <p:cNvPr id="13" name="Content Placeholder 9">
+            <a:extLst>
+              <a:ext uri="{FF2B5EF4-FFF2-40B4-BE49-F238E27FC236}">
+                <a16:creationId xmlns:a16="http://schemas.microsoft.com/office/drawing/2014/main" id="{486D4DC3-D98C-7AC5-34C7-29A604D3CAEB}"/>
+              </a:ext>
+            </a:extLst>
+          </p:cNvPr>
+          <p:cNvSpPr txBox="1">
+            <a:spLocks/>
+          </p:cNvSpPr>
+          <p:nvPr/>
+        </p:nvSpPr>
+        <p:spPr>
+          <a:xfrm>
+            <a:off x="550863" y="1534206"/>
+            <a:ext cx="9795641" cy="4274411"/>
+          </a:xfrm>
+          <a:prstGeom prst="rect">
+            <a:avLst/>
+          </a:prstGeom>
+        </p:spPr>
+        <p:txBody>
+          <a:bodyPr/>
+          <a:lstStyle>
+            <a:lvl1pPr marL="228600" indent="-228600" algn="l" defTabSz="914400" rtl="0" eaLnBrk="1" latinLnBrk="0" hangingPunct="1">
+              <a:lnSpc>
+                <a:spcPct val="110000"/>
+              </a:lnSpc>
+              <a:spcBef>
+                <a:spcPts val="1000"/>
+              </a:spcBef>
+              <a:spcAft>
+                <a:spcPts val="800"/>
+              </a:spcAft>
+              <a:buFont typeface="Arial" panose="020B0604020202020204" pitchFamily="34" charset="0"/>
+              <a:buChar char="•"/>
+              <a:defRPr sz="2000" kern="1200">
+                <a:solidFill>
+                  <a:schemeClr val="tx1">
+                    <a:alpha val="60000"/>
+                  </a:schemeClr>
+                </a:solidFill>
+                <a:latin typeface="+mn-lt"/>
+                <a:ea typeface="+mn-ea"/>
+                <a:cs typeface="+mn-cs"/>
+              </a:defRPr>
+            </a:lvl1pPr>
+            <a:lvl2pPr marL="685800" indent="-228600" algn="l" defTabSz="914400" rtl="0" eaLnBrk="1" latinLnBrk="0" hangingPunct="1">
+              <a:lnSpc>
+                <a:spcPct val="110000"/>
+              </a:lnSpc>
+              <a:spcBef>
+                <a:spcPts val="500"/>
+              </a:spcBef>
+              <a:spcAft>
+                <a:spcPts val="800"/>
+              </a:spcAft>
+              <a:buFont typeface="Arial" panose="020B0604020202020204" pitchFamily="34" charset="0"/>
+              <a:buChar char="•"/>
+              <a:defRPr sz="1400" kern="1200">
+                <a:solidFill>
+                  <a:schemeClr val="tx1">
+                    <a:alpha val="60000"/>
+                  </a:schemeClr>
+                </a:solidFill>
+                <a:latin typeface="+mn-lt"/>
+                <a:ea typeface="+mn-ea"/>
+                <a:cs typeface="+mn-cs"/>
+              </a:defRPr>
+            </a:lvl2pPr>
+            <a:lvl3pPr marL="1143000" indent="-228600" algn="l" defTabSz="914400" rtl="0" eaLnBrk="1" latinLnBrk="0" hangingPunct="1">
+              <a:lnSpc>
+                <a:spcPct val="110000"/>
+              </a:lnSpc>
+              <a:spcBef>
+                <a:spcPts val="500"/>
+              </a:spcBef>
+              <a:spcAft>
+                <a:spcPts val="800"/>
+              </a:spcAft>
+              <a:buFont typeface="Arial" panose="020B0604020202020204" pitchFamily="34" charset="0"/>
+              <a:buChar char="•"/>
+              <a:defRPr sz="1400" kern="1200">
+                <a:solidFill>
+                  <a:schemeClr val="tx1">
+                    <a:alpha val="60000"/>
+                  </a:schemeClr>
+                </a:solidFill>
+                <a:latin typeface="+mn-lt"/>
+                <a:ea typeface="+mn-ea"/>
+                <a:cs typeface="+mn-cs"/>
+              </a:defRPr>
+            </a:lvl3pPr>
+            <a:lvl4pPr marL="1600200" indent="-228600" algn="l" defTabSz="914400" rtl="0" eaLnBrk="1" latinLnBrk="0" hangingPunct="1">
+              <a:lnSpc>
+                <a:spcPct val="110000"/>
+              </a:lnSpc>
+              <a:spcBef>
+                <a:spcPts val="500"/>
+              </a:spcBef>
+              <a:spcAft>
+                <a:spcPts val="800"/>
+              </a:spcAft>
+              <a:buFont typeface="Arial" panose="020B0604020202020204" pitchFamily="34" charset="0"/>
+              <a:buChar char="•"/>
+              <a:defRPr sz="1400" kern="1200">
+                <a:solidFill>
+                  <a:schemeClr val="tx1">
+                    <a:alpha val="60000"/>
+                  </a:schemeClr>
+                </a:solidFill>
+                <a:latin typeface="+mn-lt"/>
+                <a:ea typeface="+mn-ea"/>
+                <a:cs typeface="+mn-cs"/>
+              </a:defRPr>
+            </a:lvl4pPr>
+            <a:lvl5pPr marL="2057400" indent="-228600" algn="l" defTabSz="914400" rtl="0" eaLnBrk="1" latinLnBrk="0" hangingPunct="1">
+              <a:lnSpc>
+                <a:spcPct val="110000"/>
+              </a:lnSpc>
+              <a:spcBef>
+                <a:spcPts val="500"/>
+              </a:spcBef>
+              <a:spcAft>
+                <a:spcPts val="800"/>
+              </a:spcAft>
+              <a:buFont typeface="Arial" panose="020B0604020202020204" pitchFamily="34" charset="0"/>
+              <a:buChar char="•"/>
+              <a:defRPr sz="1400" kern="1200">
+                <a:solidFill>
+                  <a:schemeClr val="tx1">
+                    <a:alpha val="60000"/>
+                  </a:schemeClr>
+                </a:solidFill>
+                <a:latin typeface="+mn-lt"/>
+                <a:ea typeface="+mn-ea"/>
+                <a:cs typeface="+mn-cs"/>
+              </a:defRPr>
+            </a:lvl5pPr>
+            <a:lvl6pPr marL="2514600" indent="-228600" algn="l" defTabSz="914400" rtl="0" eaLnBrk="1" latinLnBrk="0" hangingPunct="1">
+              <a:lnSpc>
+                <a:spcPct val="90000"/>
+              </a:lnSpc>
+              <a:spcBef>
+                <a:spcPts val="500"/>
+              </a:spcBef>
+              <a:buFont typeface="Arial" panose="020B0604020202020204" pitchFamily="34" charset="0"/>
+              <a:buChar char="•"/>
+              <a:defRPr sz="1800" kern="1200">
+                <a:solidFill>
+                  <a:schemeClr val="tx1"/>
+                </a:solidFill>
+                <a:latin typeface="+mn-lt"/>
+                <a:ea typeface="+mn-ea"/>
+                <a:cs typeface="+mn-cs"/>
+              </a:defRPr>
+            </a:lvl6pPr>
+            <a:lvl7pPr marL="2971800" indent="-228600" algn="l" defTabSz="914400" rtl="0" eaLnBrk="1" latinLnBrk="0" hangingPunct="1">
+              <a:lnSpc>
+                <a:spcPct val="90000"/>
+              </a:lnSpc>
+              <a:spcBef>
+                <a:spcPts val="500"/>
+              </a:spcBef>
+              <a:buFont typeface="Arial" panose="020B0604020202020204" pitchFamily="34" charset="0"/>
+              <a:buChar char="•"/>
+              <a:defRPr sz="1800" kern="1200">
+                <a:solidFill>
+                  <a:schemeClr val="tx1"/>
+                </a:solidFill>
+                <a:latin typeface="+mn-lt"/>
+                <a:ea typeface="+mn-ea"/>
+                <a:cs typeface="+mn-cs"/>
+              </a:defRPr>
+            </a:lvl7pPr>
+            <a:lvl8pPr marL="3429000" indent="-228600" algn="l" defTabSz="914400" rtl="0" eaLnBrk="1" latinLnBrk="0" hangingPunct="1">
+              <a:lnSpc>
+                <a:spcPct val="90000"/>
+              </a:lnSpc>
+              <a:spcBef>
+                <a:spcPts val="500"/>
+              </a:spcBef>
+              <a:buFont typeface="Arial" panose="020B0604020202020204" pitchFamily="34" charset="0"/>
+              <a:buChar char="•"/>
+              <a:defRPr sz="1800" kern="1200">
+                <a:solidFill>
+                  <a:schemeClr val="tx1"/>
+                </a:solidFill>
+                <a:latin typeface="+mn-lt"/>
+                <a:ea typeface="+mn-ea"/>
+                <a:cs typeface="+mn-cs"/>
+              </a:defRPr>
+            </a:lvl8pPr>
+            <a:lvl9pPr marL="3886200" indent="-228600" algn="l" defTabSz="914400" rtl="0" eaLnBrk="1" latinLnBrk="0" hangingPunct="1">
+              <a:lnSpc>
+                <a:spcPct val="90000"/>
+              </a:lnSpc>
+              <a:spcBef>
+                <a:spcPts val="500"/>
+              </a:spcBef>
+              <a:buFont typeface="Arial" panose="020B0604020202020204" pitchFamily="34" charset="0"/>
+              <a:buChar char="•"/>
+              <a:defRPr sz="1800" kern="1200">
+                <a:solidFill>
+                  <a:schemeClr val="tx1"/>
+                </a:solidFill>
+                <a:latin typeface="+mn-lt"/>
+                <a:ea typeface="+mn-ea"/>
+                <a:cs typeface="+mn-cs"/>
+              </a:defRPr>
+            </a:lvl9pPr>
+          </a:lstStyle>
+          <a:p>
+            <a:r>
+              <a:rPr lang="en-US" dirty="0"/>
+              <a:t>Have we expanded on existing work in a meaningful way?</a:t>
+            </a:r>
+          </a:p>
+          <a:p>
+            <a:r>
+              <a:rPr lang="en-US" dirty="0"/>
+              <a:t>Have we answered the questions we set out to answer?</a:t>
+            </a:r>
+          </a:p>
+          <a:p>
+            <a:r>
+              <a:rPr lang="en-US" dirty="0"/>
+              <a:t>Can our work be used in a way that’s helpful to the wider world?</a:t>
+            </a:r>
+          </a:p>
+        </p:txBody>
+      </p:sp>
+    </p:spTree>
+    <p:extLst>
+      <p:ext uri="{BB962C8B-B14F-4D97-AF65-F5344CB8AC3E}">
+        <p14:creationId xmlns:p14="http://schemas.microsoft.com/office/powerpoint/2010/main" val="1247400255"/>
+      </p:ext>
+    </p:extLst>
+  </p:cSld>
+  <p:clrMapOvr>
+    <a:masterClrMapping/>
+  </p:clrMapOvr>
+</p:sld>
+</file>
+
+<file path=ppt/slides/slide8.xml><?xml version="1.0" encoding="utf-8"?>
+<p:sld xmlns:a="http://schemas.openxmlformats.org/drawingml/2006/main" xmlns:r="http://schemas.openxmlformats.org/officeDocument/2006/relationships" xmlns:p="http://schemas.openxmlformats.org/presentationml/2006/main">
+  <p:cSld>
+    <p:spTree>
+      <p:nvGrpSpPr>
+        <p:cNvPr id="1" name=""/>
+        <p:cNvGrpSpPr/>
+        <p:nvPr/>
+      </p:nvGrpSpPr>
+      <p:grpSpPr>
+        <a:xfrm>
+          <a:off x="0" y="0"/>
+          <a:ext cx="0" cy="0"/>
+          <a:chOff x="0" y="0"/>
+          <a:chExt cx="0" cy="0"/>
+        </a:xfrm>
+      </p:grpSpPr>
+      <p:sp>
+        <p:nvSpPr>
+          <p:cNvPr id="11" name="Title 10">
+            <a:extLst>
+              <a:ext uri="{FF2B5EF4-FFF2-40B4-BE49-F238E27FC236}">
+                <a16:creationId xmlns:a16="http://schemas.microsoft.com/office/drawing/2014/main" id="{581E8936-2270-47FE-94A4-398CB123EF90}"/>
+              </a:ext>
+            </a:extLst>
+          </p:cNvPr>
+          <p:cNvSpPr>
+            <a:spLocks noGrp="1"/>
+          </p:cNvSpPr>
+          <p:nvPr>
+            <p:ph type="title"/>
+          </p:nvPr>
+        </p:nvSpPr>
+        <p:spPr>
+          <a:xfrm>
+            <a:off x="550863" y="4508500"/>
+            <a:ext cx="4500562" cy="1562959"/>
+          </a:xfrm>
+        </p:spPr>
+        <p:txBody>
+          <a:bodyPr/>
+          <a:lstStyle/>
+          <a:p>
+            <a:r>
+              <a:rPr lang="en-US" dirty="0"/>
+              <a:t>Summary</a:t>
+            </a:r>
+          </a:p>
+        </p:txBody>
+      </p:sp>
+      <p:pic>
+        <p:nvPicPr>
+          <p:cNvPr id="16" name="Picture Placeholder 15" descr="Data Points Digital background">
+            <a:extLst>
+              <a:ext uri="{FF2B5EF4-FFF2-40B4-BE49-F238E27FC236}">
+                <a16:creationId xmlns:a16="http://schemas.microsoft.com/office/drawing/2014/main" id="{361E9ADB-7377-4CF1-9AE4-AEFBDEBEEEEC}"/>
+              </a:ext>
+            </a:extLst>
+          </p:cNvPr>
+          <p:cNvPicPr>
+            <a:picLocks noGrp="1" noChangeAspect="1"/>
+          </p:cNvPicPr>
+          <p:nvPr>
+            <p:ph type="pic" sz="quarter" idx="13"/>
+          </p:nvPr>
+        </p:nvPicPr>
+        <p:blipFill rotWithShape="1">
+          <a:blip r:embed="rId3" cstate="screen">
+            <a:extLst>
+              <a:ext uri="{28A0092B-C50C-407E-A947-70E740481C1C}">
+                <a14:useLocalDpi xmlns:a14="http://schemas.microsoft.com/office/drawing/2010/main" val="0"/>
+              </a:ext>
+            </a:extLst>
+          </a:blip>
+          <a:srcRect/>
+          <a:stretch/>
+        </p:blipFill>
+        <p:spPr>
+          <a:xfrm>
+            <a:off x="0" y="0"/>
+            <a:ext cx="12192000" cy="3776472"/>
+          </a:xfrm>
+        </p:spPr>
+      </p:pic>
+      <p:sp>
+        <p:nvSpPr>
+          <p:cNvPr id="13" name="Content Placeholder 12">
+            <a:extLst>
+              <a:ext uri="{FF2B5EF4-FFF2-40B4-BE49-F238E27FC236}">
+                <a16:creationId xmlns:a16="http://schemas.microsoft.com/office/drawing/2014/main" id="{C0287FEC-3826-4868-8D93-52429C6156F5}"/>
+              </a:ext>
+            </a:extLst>
+          </p:cNvPr>
+          <p:cNvSpPr>
+            <a:spLocks noGrp="1"/>
+          </p:cNvSpPr>
+          <p:nvPr>
+            <p:ph sz="quarter" idx="15"/>
+          </p:nvPr>
+        </p:nvSpPr>
+        <p:spPr>
+          <a:xfrm>
+            <a:off x="5262411" y="4508500"/>
+            <a:ext cx="6221412" cy="1563688"/>
+          </a:xfrm>
+        </p:spPr>
+        <p:txBody>
+          <a:bodyPr>
+            <a:normAutofit/>
+          </a:bodyPr>
+          <a:lstStyle/>
+          <a:p>
+            <a:r>
+              <a:rPr lang="en-US" dirty="0"/>
+              <a:t>[insert text] </a:t>
+            </a:r>
+          </a:p>
+        </p:txBody>
+      </p:sp>
+      <p:sp>
+        <p:nvSpPr>
+          <p:cNvPr id="6" name="Slide Number Placeholder 5">
+            <a:extLst>
+              <a:ext uri="{FF2B5EF4-FFF2-40B4-BE49-F238E27FC236}">
+                <a16:creationId xmlns:a16="http://schemas.microsoft.com/office/drawing/2014/main" id="{9ED907F8-C614-4D59-A03F-BF9CD5E35703}"/>
+              </a:ext>
+            </a:extLst>
+          </p:cNvPr>
+          <p:cNvSpPr>
+            <a:spLocks noGrp="1"/>
+          </p:cNvSpPr>
+          <p:nvPr>
+            <p:ph type="sldNum" sz="quarter" idx="12"/>
+          </p:nvPr>
+        </p:nvSpPr>
+        <p:spPr>
+          <a:xfrm>
+            <a:off x="9948863" y="6507212"/>
+            <a:ext cx="1692274" cy="153888"/>
+          </a:xfrm>
+        </p:spPr>
+        <p:txBody>
+          <a:bodyPr/>
+          <a:lstStyle/>
+          <a:p>
+            <a:fld id="{DBA1B0FB-D917-4C8C-928F-313BD683BF39}" type="slidenum">
+              <a:rPr lang="en-US" smtClean="0"/>
+              <a:pPr/>
+              <a:t>8</a:t>
+            </a:fld>
+            <a:endParaRPr lang="en-US"/>
+          </a:p>
+        </p:txBody>
+      </p:sp>
+    </p:spTree>
+    <p:extLst>
+      <p:ext uri="{BB962C8B-B14F-4D97-AF65-F5344CB8AC3E}">
+        <p14:creationId xmlns:p14="http://schemas.microsoft.com/office/powerpoint/2010/main" val="3521561301"/>
+      </p:ext>
+    </p:extLst>
+  </p:cSld>
+  <p:clrMapOvr>
+    <a:masterClrMapping/>
+  </p:clrMapOvr>
+  <mc:AlternateContent xmlns:mc="http://schemas.openxmlformats.org/markup-compatibility/2006" xmlns:p14="http://schemas.microsoft.com/office/powerpoint/2010/main">
+    <mc:Choice Requires="p14">
+      <p:transition spd="med" p14:dur="700">
+        <p:fade/>
+      </p:transition>
+    </mc:Choice>
+    <mc:Fallback xmlns="">
+      <p:transition spd="med">
+        <p:fade/>
+      </p:transition>
+    </mc:Fallback>
+  </mc:AlternateContent>
+</p:sld>
+</file>
+
+<file path=ppt/slides/slide9.xml><?xml version="1.0" encoding="utf-8"?>
+<p:sld xmlns:a="http://schemas.openxmlformats.org/drawingml/2006/main" xmlns:r="http://schemas.openxmlformats.org/officeDocument/2006/relationships" xmlns:p="http://schemas.openxmlformats.org/presentationml/2006/main">
+  <p:cSld>
+    <p:spTree>
+      <p:nvGrpSpPr>
+        <p:cNvPr id="1" name=""/>
+        <p:cNvGrpSpPr/>
+        <p:nvPr/>
+      </p:nvGrpSpPr>
+      <p:grpSpPr>
+        <a:xfrm>
+          <a:off x="0" y="0"/>
+          <a:ext cx="0" cy="0"/>
+          <a:chOff x="0" y="0"/>
+          <a:chExt cx="0" cy="0"/>
+        </a:xfrm>
+      </p:grpSpPr>
+      <p:sp>
+        <p:nvSpPr>
           <p:cNvPr id="22" name="Title 21">
             <a:extLst>
               <a:ext uri="{FF2B5EF4-FFF2-40B4-BE49-F238E27FC236}">
@@ -16967,7 +17516,7 @@
             <a:fld id="{DBA1B0FB-D917-4C8C-928F-313BD683BF39}" type="slidenum">
               <a:rPr lang="en-US" smtClean="0"/>
               <a:pPr/>
-              <a:t>7</a:t>
+              <a:t>9</a:t>
             </a:fld>
             <a:endParaRPr lang="en-US"/>
           </a:p>
@@ -16983,13 +17532,13 @@
   <p:clrMapOvr>
     <a:masterClrMapping/>
   </p:clrMapOvr>
-  <mc:AlternateContent xmlns:mc="http://schemas.openxmlformats.org/markup-compatibility/2006">
-    <mc:Choice xmlns:p14="http://schemas.microsoft.com/office/powerpoint/2010/main" Requires="p14">
+  <mc:AlternateContent xmlns:mc="http://schemas.openxmlformats.org/markup-compatibility/2006" xmlns:p14="http://schemas.microsoft.com/office/powerpoint/2010/main">
+    <mc:Choice Requires="p14">
       <p:transition spd="med" p14:dur="700">
         <p:fade/>
       </p:transition>
     </mc:Choice>
-    <mc:Fallback>
+    <mc:Fallback xmlns="">
       <p:transition spd="med">
         <p:fade/>
       </p:transition>
